--- a/Présentation projet7.pptx
+++ b/Présentation projet7.pptx
@@ -127,6 +127,11 @@
       </a:defRPr>
     </a:lvl9pPr>
   </p:defaultTextStyle>
+  <p:extLst>
+    <p:ext uri="{EFAFB233-063F-42B5-8137-9DF3F51BA10A}">
+      <p15:sldGuideLst xmlns:p15="http://schemas.microsoft.com/office/powerpoint/2012/main"/>
+    </p:ext>
+  </p:extLst>
 </p:presentation>
 </file>
 
@@ -1410,7 +1415,7 @@
           <a:p>
             <a:fld id="{E6171E64-FE02-4DE5-B72F-53C3706641C3}" type="datetimeFigureOut">
               <a:rPr lang="en-US" smtClean="0"/>
-              <a:t>7/13/23</a:t>
+              <a:t>7/14/23</a:t>
             </a:fld>
             <a:endParaRPr lang="en-US"/>
           </a:p>
@@ -1797,7 +1802,7 @@
           <a:p>
             <a:fld id="{E6171E64-FE02-4DE5-B72F-53C3706641C3}" type="datetimeFigureOut">
               <a:rPr lang="en-US" smtClean="0"/>
-              <a:t>7/13/23</a:t>
+              <a:t>7/14/23</a:t>
             </a:fld>
             <a:endParaRPr lang="en-US"/>
           </a:p>
@@ -2190,7 +2195,7 @@
           <a:p>
             <a:fld id="{E6171E64-FE02-4DE5-B72F-53C3706641C3}" type="datetimeFigureOut">
               <a:rPr lang="en-US" smtClean="0"/>
-              <a:t>7/13/23</a:t>
+              <a:t>7/14/23</a:t>
             </a:fld>
             <a:endParaRPr lang="en-US"/>
           </a:p>
@@ -2605,7 +2610,7 @@
           <a:p>
             <a:fld id="{E6171E64-FE02-4DE5-B72F-53C3706641C3}" type="datetimeFigureOut">
               <a:rPr lang="en-US" smtClean="0"/>
-              <a:t>7/13/23</a:t>
+              <a:t>7/14/23</a:t>
             </a:fld>
             <a:endParaRPr lang="en-US"/>
           </a:p>
@@ -2947,7 +2952,7 @@
           <a:p>
             <a:fld id="{E6171E64-FE02-4DE5-B72F-53C3706641C3}" type="datetimeFigureOut">
               <a:rPr lang="en-US" smtClean="0"/>
-              <a:t>7/13/23</a:t>
+              <a:t>7/14/23</a:t>
             </a:fld>
             <a:endParaRPr lang="en-US"/>
           </a:p>
@@ -3271,7 +3276,7 @@
           <a:p>
             <a:fld id="{E6171E64-FE02-4DE5-B72F-53C3706641C3}" type="datetimeFigureOut">
               <a:rPr lang="en-US" smtClean="0"/>
-              <a:t>7/13/23</a:t>
+              <a:t>7/14/23</a:t>
             </a:fld>
             <a:endParaRPr lang="en-US"/>
           </a:p>
@@ -3752,7 +3757,7 @@
           <a:p>
             <a:fld id="{E6171E64-FE02-4DE5-B72F-53C3706641C3}" type="datetimeFigureOut">
               <a:rPr lang="en-US" smtClean="0"/>
-              <a:t>7/13/23</a:t>
+              <a:t>7/14/23</a:t>
             </a:fld>
             <a:endParaRPr lang="en-US"/>
           </a:p>
@@ -3914,7 +3919,7 @@
           <a:p>
             <a:fld id="{E6171E64-FE02-4DE5-B72F-53C3706641C3}" type="datetimeFigureOut">
               <a:rPr lang="en-US" smtClean="0"/>
-              <a:t>7/13/23</a:t>
+              <a:t>7/14/23</a:t>
             </a:fld>
             <a:endParaRPr lang="en-US"/>
           </a:p>
@@ -4027,7 +4032,7 @@
           <a:p>
             <a:fld id="{E6171E64-FE02-4DE5-B72F-53C3706641C3}" type="datetimeFigureOut">
               <a:rPr lang="en-US" smtClean="0"/>
-              <a:t>7/13/23</a:t>
+              <a:t>7/14/23</a:t>
             </a:fld>
             <a:endParaRPr lang="en-US"/>
           </a:p>
@@ -4349,7 +4354,7 @@
           <a:p>
             <a:fld id="{E6171E64-FE02-4DE5-B72F-53C3706641C3}" type="datetimeFigureOut">
               <a:rPr lang="en-US" smtClean="0"/>
-              <a:t>7/13/23</a:t>
+              <a:t>7/14/23</a:t>
             </a:fld>
             <a:endParaRPr lang="en-US"/>
           </a:p>
@@ -4651,7 +4656,7 @@
           <a:p>
             <a:fld id="{E6171E64-FE02-4DE5-B72F-53C3706641C3}" type="datetimeFigureOut">
               <a:rPr lang="en-US" smtClean="0"/>
-              <a:t>7/13/23</a:t>
+              <a:t>7/14/23</a:t>
             </a:fld>
             <a:endParaRPr lang="en-US"/>
           </a:p>
@@ -4892,7 +4897,7 @@
           <a:p>
             <a:fld id="{E6171E64-FE02-4DE5-B72F-53C3706641C3}" type="datetimeFigureOut">
               <a:rPr lang="en-US" smtClean="0"/>
-              <a:t>7/13/23</a:t>
+              <a:t>7/14/23</a:t>
             </a:fld>
             <a:endParaRPr lang="en-US"/>
           </a:p>
@@ -7218,140 +7223,6 @@
           </a:p>
         </p:txBody>
       </p:sp>
-      <p:sp>
-        <p:nvSpPr>
-          <p:cNvPr id="8" name="Date Placeholder 6">
-            <a:extLst>
-              <a:ext uri="{FF2B5EF4-FFF2-40B4-BE49-F238E27FC236}">
-                <a16:creationId xmlns:a16="http://schemas.microsoft.com/office/drawing/2014/main" id="{DF765F4A-2DF9-42BC-89D8-E61753DA5A3E}"/>
-              </a:ext>
-            </a:extLst>
-          </p:cNvPr>
-          <p:cNvSpPr>
-            <a:spLocks noGrp="1"/>
-          </p:cNvSpPr>
-          <p:nvPr>
-            <p:ph type="dt" sz="half" idx="10"/>
-          </p:nvPr>
-        </p:nvSpPr>
-        <p:spPr>
-          <a:xfrm>
-            <a:off x="795014" y="6342042"/>
-            <a:ext cx="2743200" cy="365125"/>
-          </a:xfrm>
-        </p:spPr>
-        <p:txBody>
-          <a:bodyPr/>
-          <a:lstStyle/>
-          <a:p>
-            <a:pPr>
-              <a:spcAft>
-                <a:spcPts val="600"/>
-              </a:spcAft>
-            </a:pPr>
-            <a:fld id="{3DF4EE96-C834-4CB1-9BE3-A85B22A039C7}" type="datetime1">
-              <a:rPr lang="en-US" smtClean="0"/>
-              <a:pPr>
-                <a:spcAft>
-                  <a:spcPts val="600"/>
-                </a:spcAft>
-              </a:pPr>
-              <a:t>7/14/23</a:t>
-            </a:fld>
-            <a:endParaRPr lang="en-US" dirty="0"/>
-          </a:p>
-        </p:txBody>
-      </p:sp>
-      <p:sp>
-        <p:nvSpPr>
-          <p:cNvPr id="10" name="Footer Placeholder 11">
-            <a:extLst>
-              <a:ext uri="{FF2B5EF4-FFF2-40B4-BE49-F238E27FC236}">
-                <a16:creationId xmlns:a16="http://schemas.microsoft.com/office/drawing/2014/main" id="{716E55FE-7292-474F-B63E-7EF4C8DD1222}"/>
-              </a:ext>
-            </a:extLst>
-          </p:cNvPr>
-          <p:cNvSpPr>
-            <a:spLocks noGrp="1"/>
-          </p:cNvSpPr>
-          <p:nvPr>
-            <p:ph type="ftr" sz="quarter" idx="11"/>
-          </p:nvPr>
-        </p:nvSpPr>
-        <p:spPr>
-          <a:xfrm>
-            <a:off x="7696200" y="6342042"/>
-            <a:ext cx="3470128" cy="365125"/>
-          </a:xfrm>
-        </p:spPr>
-        <p:txBody>
-          <a:bodyPr/>
-          <a:lstStyle/>
-          <a:p>
-            <a:pPr>
-              <a:spcAft>
-                <a:spcPts val="600"/>
-              </a:spcAft>
-            </a:pPr>
-            <a:r>
-              <a:rPr lang="en-US"/>
-              <a:t>Sample Footer Text</a:t>
-            </a:r>
-          </a:p>
-        </p:txBody>
-      </p:sp>
-      <p:sp>
-        <p:nvSpPr>
-          <p:cNvPr id="12" name="Slide Number Placeholder 17">
-            <a:extLst>
-              <a:ext uri="{FF2B5EF4-FFF2-40B4-BE49-F238E27FC236}">
-                <a16:creationId xmlns:a16="http://schemas.microsoft.com/office/drawing/2014/main" id="{32E95C4D-CC3C-4C9D-B8E6-271568CB8F71}"/>
-              </a:ext>
-            </a:extLst>
-          </p:cNvPr>
-          <p:cNvSpPr>
-            <a:spLocks noGrp="1"/>
-          </p:cNvSpPr>
-          <p:nvPr>
-            <p:ph type="sldNum" sz="quarter" idx="12"/>
-          </p:nvPr>
-        </p:nvSpPr>
-        <p:spPr>
-          <a:xfrm>
-            <a:off x="11166329" y="6342042"/>
-            <a:ext cx="526228" cy="365125"/>
-          </a:xfrm>
-        </p:spPr>
-        <p:txBody>
-          <a:bodyPr/>
-          <a:lstStyle/>
-          <a:p>
-            <a:pPr>
-              <a:spcAft>
-                <a:spcPts val="600"/>
-              </a:spcAft>
-            </a:pPr>
-            <a:fld id="{1B0A0659-E443-491A-A36E-EC2EE49C5850}" type="slidenum">
-              <a:rPr lang="en-US" smtClean="0">
-                <a:solidFill>
-                  <a:srgbClr val="000000"/>
-                </a:solidFill>
-              </a:rPr>
-              <a:pPr>
-                <a:spcAft>
-                  <a:spcPts val="600"/>
-                </a:spcAft>
-              </a:pPr>
-              <a:t>14</a:t>
-            </a:fld>
-            <a:endParaRPr lang="en-US" dirty="0">
-              <a:solidFill>
-                <a:srgbClr val="000000"/>
-              </a:solidFill>
-            </a:endParaRPr>
-          </a:p>
-        </p:txBody>
-      </p:sp>
     </p:spTree>
     <p:extLst>
       <p:ext uri="{BB962C8B-B14F-4D97-AF65-F5344CB8AC3E}">
@@ -7509,140 +7380,6 @@
               </a:rPr>
               <a:t>, le glouton est généralement plus rapide car il ne considère qu'une seule option à chaque étape, mais il peut donner une solution sous-optimale dans certains cas.</a:t>
             </a:r>
-          </a:p>
-        </p:txBody>
-      </p:sp>
-      <p:sp>
-        <p:nvSpPr>
-          <p:cNvPr id="8" name="Date Placeholder 6">
-            <a:extLst>
-              <a:ext uri="{FF2B5EF4-FFF2-40B4-BE49-F238E27FC236}">
-                <a16:creationId xmlns:a16="http://schemas.microsoft.com/office/drawing/2014/main" id="{DF765F4A-2DF9-42BC-89D8-E61753DA5A3E}"/>
-              </a:ext>
-            </a:extLst>
-          </p:cNvPr>
-          <p:cNvSpPr>
-            <a:spLocks noGrp="1"/>
-          </p:cNvSpPr>
-          <p:nvPr>
-            <p:ph type="dt" sz="half" idx="10"/>
-          </p:nvPr>
-        </p:nvSpPr>
-        <p:spPr>
-          <a:xfrm>
-            <a:off x="795014" y="6342042"/>
-            <a:ext cx="2743200" cy="365125"/>
-          </a:xfrm>
-        </p:spPr>
-        <p:txBody>
-          <a:bodyPr/>
-          <a:lstStyle/>
-          <a:p>
-            <a:pPr>
-              <a:spcAft>
-                <a:spcPts val="600"/>
-              </a:spcAft>
-            </a:pPr>
-            <a:fld id="{3DF4EE96-C834-4CB1-9BE3-A85B22A039C7}" type="datetime1">
-              <a:rPr lang="en-US" smtClean="0"/>
-              <a:pPr>
-                <a:spcAft>
-                  <a:spcPts val="600"/>
-                </a:spcAft>
-              </a:pPr>
-              <a:t>7/14/23</a:t>
-            </a:fld>
-            <a:endParaRPr lang="en-US"/>
-          </a:p>
-        </p:txBody>
-      </p:sp>
-      <p:sp>
-        <p:nvSpPr>
-          <p:cNvPr id="10" name="Footer Placeholder 11">
-            <a:extLst>
-              <a:ext uri="{FF2B5EF4-FFF2-40B4-BE49-F238E27FC236}">
-                <a16:creationId xmlns:a16="http://schemas.microsoft.com/office/drawing/2014/main" id="{716E55FE-7292-474F-B63E-7EF4C8DD1222}"/>
-              </a:ext>
-            </a:extLst>
-          </p:cNvPr>
-          <p:cNvSpPr>
-            <a:spLocks noGrp="1"/>
-          </p:cNvSpPr>
-          <p:nvPr>
-            <p:ph type="ftr" sz="quarter" idx="11"/>
-          </p:nvPr>
-        </p:nvSpPr>
-        <p:spPr>
-          <a:xfrm>
-            <a:off x="7696200" y="6342042"/>
-            <a:ext cx="3470128" cy="365125"/>
-          </a:xfrm>
-        </p:spPr>
-        <p:txBody>
-          <a:bodyPr/>
-          <a:lstStyle/>
-          <a:p>
-            <a:pPr>
-              <a:spcAft>
-                <a:spcPts val="600"/>
-              </a:spcAft>
-            </a:pPr>
-            <a:r>
-              <a:rPr lang="en-US"/>
-              <a:t>Sample Footer Text</a:t>
-            </a:r>
-          </a:p>
-        </p:txBody>
-      </p:sp>
-      <p:sp>
-        <p:nvSpPr>
-          <p:cNvPr id="12" name="Slide Number Placeholder 17">
-            <a:extLst>
-              <a:ext uri="{FF2B5EF4-FFF2-40B4-BE49-F238E27FC236}">
-                <a16:creationId xmlns:a16="http://schemas.microsoft.com/office/drawing/2014/main" id="{32E95C4D-CC3C-4C9D-B8E6-271568CB8F71}"/>
-              </a:ext>
-            </a:extLst>
-          </p:cNvPr>
-          <p:cNvSpPr>
-            <a:spLocks noGrp="1"/>
-          </p:cNvSpPr>
-          <p:nvPr>
-            <p:ph type="sldNum" sz="quarter" idx="12"/>
-          </p:nvPr>
-        </p:nvSpPr>
-        <p:spPr>
-          <a:xfrm>
-            <a:off x="11166329" y="6342042"/>
-            <a:ext cx="526228" cy="365125"/>
-          </a:xfrm>
-        </p:spPr>
-        <p:txBody>
-          <a:bodyPr/>
-          <a:lstStyle/>
-          <a:p>
-            <a:pPr>
-              <a:spcAft>
-                <a:spcPts val="600"/>
-              </a:spcAft>
-            </a:pPr>
-            <a:fld id="{1B0A0659-E443-491A-A36E-EC2EE49C5850}" type="slidenum">
-              <a:rPr lang="en-US" smtClean="0">
-                <a:solidFill>
-                  <a:srgbClr val="000000"/>
-                </a:solidFill>
-              </a:rPr>
-              <a:pPr>
-                <a:spcAft>
-                  <a:spcPts val="600"/>
-                </a:spcAft>
-              </a:pPr>
-              <a:t>15</a:t>
-            </a:fld>
-            <a:endParaRPr lang="en-US" dirty="0">
-              <a:solidFill>
-                <a:srgbClr val="000000"/>
-              </a:solidFill>
-            </a:endParaRPr>
           </a:p>
         </p:txBody>
       </p:sp>
@@ -7838,146 +7575,6 @@
             </a:pPr>
             <a:endParaRPr lang="fr-FR" sz="1400" b="0" i="0" dirty="0">
               <a:effectLst/>
-            </a:endParaRPr>
-          </a:p>
-        </p:txBody>
-      </p:sp>
-      <p:sp>
-        <p:nvSpPr>
-          <p:cNvPr id="8" name="Date Placeholder 6">
-            <a:extLst>
-              <a:ext uri="{FF2B5EF4-FFF2-40B4-BE49-F238E27FC236}">
-                <a16:creationId xmlns:a16="http://schemas.microsoft.com/office/drawing/2014/main" id="{DF765F4A-2DF9-42BC-89D8-E61753DA5A3E}"/>
-              </a:ext>
-            </a:extLst>
-          </p:cNvPr>
-          <p:cNvSpPr>
-            <a:spLocks noGrp="1"/>
-          </p:cNvSpPr>
-          <p:nvPr>
-            <p:ph type="dt" sz="half" idx="10"/>
-          </p:nvPr>
-        </p:nvSpPr>
-        <p:spPr>
-          <a:xfrm>
-            <a:off x="795014" y="6342042"/>
-            <a:ext cx="2743200" cy="365125"/>
-          </a:xfrm>
-        </p:spPr>
-        <p:txBody>
-          <a:bodyPr>
-            <a:normAutofit/>
-          </a:bodyPr>
-          <a:lstStyle/>
-          <a:p>
-            <a:pPr>
-              <a:spcAft>
-                <a:spcPts val="600"/>
-              </a:spcAft>
-            </a:pPr>
-            <a:fld id="{3DF4EE96-C834-4CB1-9BE3-A85B22A039C7}" type="datetime1">
-              <a:rPr lang="en-US" smtClean="0"/>
-              <a:pPr>
-                <a:spcAft>
-                  <a:spcPts val="600"/>
-                </a:spcAft>
-              </a:pPr>
-              <a:t>7/14/23</a:t>
-            </a:fld>
-            <a:endParaRPr lang="en-US"/>
-          </a:p>
-        </p:txBody>
-      </p:sp>
-      <p:sp>
-        <p:nvSpPr>
-          <p:cNvPr id="10" name="Footer Placeholder 11">
-            <a:extLst>
-              <a:ext uri="{FF2B5EF4-FFF2-40B4-BE49-F238E27FC236}">
-                <a16:creationId xmlns:a16="http://schemas.microsoft.com/office/drawing/2014/main" id="{716E55FE-7292-474F-B63E-7EF4C8DD1222}"/>
-              </a:ext>
-            </a:extLst>
-          </p:cNvPr>
-          <p:cNvSpPr>
-            <a:spLocks noGrp="1"/>
-          </p:cNvSpPr>
-          <p:nvPr>
-            <p:ph type="ftr" sz="quarter" idx="11"/>
-          </p:nvPr>
-        </p:nvSpPr>
-        <p:spPr>
-          <a:xfrm>
-            <a:off x="7696200" y="6342042"/>
-            <a:ext cx="3470128" cy="365125"/>
-          </a:xfrm>
-        </p:spPr>
-        <p:txBody>
-          <a:bodyPr>
-            <a:normAutofit/>
-          </a:bodyPr>
-          <a:lstStyle/>
-          <a:p>
-            <a:pPr>
-              <a:spcAft>
-                <a:spcPts val="600"/>
-              </a:spcAft>
-            </a:pPr>
-            <a:r>
-              <a:rPr lang="en-US"/>
-              <a:t>Sample Footer Text</a:t>
-            </a:r>
-          </a:p>
-        </p:txBody>
-      </p:sp>
-      <p:sp>
-        <p:nvSpPr>
-          <p:cNvPr id="12" name="Slide Number Placeholder 17">
-            <a:extLst>
-              <a:ext uri="{FF2B5EF4-FFF2-40B4-BE49-F238E27FC236}">
-                <a16:creationId xmlns:a16="http://schemas.microsoft.com/office/drawing/2014/main" id="{32E95C4D-CC3C-4C9D-B8E6-271568CB8F71}"/>
-              </a:ext>
-            </a:extLst>
-          </p:cNvPr>
-          <p:cNvSpPr>
-            <a:spLocks noGrp="1"/>
-          </p:cNvSpPr>
-          <p:nvPr>
-            <p:ph type="sldNum" sz="quarter" idx="12"/>
-          </p:nvPr>
-        </p:nvSpPr>
-        <p:spPr>
-          <a:xfrm>
-            <a:off x="11166329" y="6342042"/>
-            <a:ext cx="526228" cy="365125"/>
-          </a:xfrm>
-        </p:spPr>
-        <p:txBody>
-          <a:bodyPr>
-            <a:normAutofit/>
-          </a:bodyPr>
-          <a:lstStyle/>
-          <a:p>
-            <a:pPr>
-              <a:spcAft>
-                <a:spcPts val="600"/>
-              </a:spcAft>
-            </a:pPr>
-            <a:fld id="{1B0A0659-E443-491A-A36E-EC2EE49C5850}" type="slidenum">
-              <a:rPr lang="en-US" smtClean="0">
-                <a:solidFill>
-                  <a:srgbClr val="000000"/>
-                </a:solidFill>
-              </a:rPr>
-              <a:pPr>
-                <a:spcAft>
-                  <a:spcPts val="600"/>
-                </a:spcAft>
-              </a:pPr>
-              <a:t>16</a:t>
-            </a:fld>
-            <a:endParaRPr lang="en-US" dirty="0">
-              <a:solidFill>
-                <a:srgbClr val="000000"/>
-              </a:solidFill>
             </a:endParaRPr>
           </a:p>
         </p:txBody>
